--- a/challenge/Challange design.pptx
+++ b/challenge/Challange design.pptx
@@ -9,6 +9,7 @@
     <p:sldId id="259" r:id="rId3"/>
     <p:sldId id="257" r:id="rId4"/>
     <p:sldId id="258" r:id="rId5"/>
+    <p:sldId id="260" r:id="rId6"/>
   </p:sldIdLst>
   <p:sldSz cx="9144000" cy="6858000" type="screen4x3"/>
   <p:notesSz cx="6858000" cy="9144000"/>
@@ -250,7 +251,7 @@
           <a:p>
             <a:fld id="{E10095B3-8055-4D77-8CFD-B3913D5587E9}" type="datetimeFigureOut">
               <a:rPr lang="en-US" smtClean="0"/>
-              <a:t>20-Jun-18</a:t>
+              <a:t>21-Jun-18</a:t>
             </a:fld>
             <a:endParaRPr lang="en-US"/>
           </a:p>
@@ -420,7 +421,7 @@
           <a:p>
             <a:fld id="{E10095B3-8055-4D77-8CFD-B3913D5587E9}" type="datetimeFigureOut">
               <a:rPr lang="en-US" smtClean="0"/>
-              <a:t>20-Jun-18</a:t>
+              <a:t>21-Jun-18</a:t>
             </a:fld>
             <a:endParaRPr lang="en-US"/>
           </a:p>
@@ -600,7 +601,7 @@
           <a:p>
             <a:fld id="{E10095B3-8055-4D77-8CFD-B3913D5587E9}" type="datetimeFigureOut">
               <a:rPr lang="en-US" smtClean="0"/>
-              <a:t>20-Jun-18</a:t>
+              <a:t>21-Jun-18</a:t>
             </a:fld>
             <a:endParaRPr lang="en-US"/>
           </a:p>
@@ -770,7 +771,7 @@
           <a:p>
             <a:fld id="{E10095B3-8055-4D77-8CFD-B3913D5587E9}" type="datetimeFigureOut">
               <a:rPr lang="en-US" smtClean="0"/>
-              <a:t>20-Jun-18</a:t>
+              <a:t>21-Jun-18</a:t>
             </a:fld>
             <a:endParaRPr lang="en-US"/>
           </a:p>
@@ -1014,7 +1015,7 @@
           <a:p>
             <a:fld id="{E10095B3-8055-4D77-8CFD-B3913D5587E9}" type="datetimeFigureOut">
               <a:rPr lang="en-US" smtClean="0"/>
-              <a:t>20-Jun-18</a:t>
+              <a:t>21-Jun-18</a:t>
             </a:fld>
             <a:endParaRPr lang="en-US"/>
           </a:p>
@@ -1246,7 +1247,7 @@
           <a:p>
             <a:fld id="{E10095B3-8055-4D77-8CFD-B3913D5587E9}" type="datetimeFigureOut">
               <a:rPr lang="en-US" smtClean="0"/>
-              <a:t>20-Jun-18</a:t>
+              <a:t>21-Jun-18</a:t>
             </a:fld>
             <a:endParaRPr lang="en-US"/>
           </a:p>
@@ -1613,7 +1614,7 @@
           <a:p>
             <a:fld id="{E10095B3-8055-4D77-8CFD-B3913D5587E9}" type="datetimeFigureOut">
               <a:rPr lang="en-US" smtClean="0"/>
-              <a:t>20-Jun-18</a:t>
+              <a:t>21-Jun-18</a:t>
             </a:fld>
             <a:endParaRPr lang="en-US"/>
           </a:p>
@@ -1731,7 +1732,7 @@
           <a:p>
             <a:fld id="{E10095B3-8055-4D77-8CFD-B3913D5587E9}" type="datetimeFigureOut">
               <a:rPr lang="en-US" smtClean="0"/>
-              <a:t>20-Jun-18</a:t>
+              <a:t>21-Jun-18</a:t>
             </a:fld>
             <a:endParaRPr lang="en-US"/>
           </a:p>
@@ -1826,7 +1827,7 @@
           <a:p>
             <a:fld id="{E10095B3-8055-4D77-8CFD-B3913D5587E9}" type="datetimeFigureOut">
               <a:rPr lang="en-US" smtClean="0"/>
-              <a:t>20-Jun-18</a:t>
+              <a:t>21-Jun-18</a:t>
             </a:fld>
             <a:endParaRPr lang="en-US"/>
           </a:p>
@@ -2103,7 +2104,7 @@
           <a:p>
             <a:fld id="{E10095B3-8055-4D77-8CFD-B3913D5587E9}" type="datetimeFigureOut">
               <a:rPr lang="en-US" smtClean="0"/>
-              <a:t>20-Jun-18</a:t>
+              <a:t>21-Jun-18</a:t>
             </a:fld>
             <a:endParaRPr lang="en-US"/>
           </a:p>
@@ -2360,7 +2361,7 @@
           <a:p>
             <a:fld id="{E10095B3-8055-4D77-8CFD-B3913D5587E9}" type="datetimeFigureOut">
               <a:rPr lang="en-US" smtClean="0"/>
-              <a:t>20-Jun-18</a:t>
+              <a:t>21-Jun-18</a:t>
             </a:fld>
             <a:endParaRPr lang="en-US"/>
           </a:p>
@@ -2573,7 +2574,7 @@
           <a:p>
             <a:fld id="{E10095B3-8055-4D77-8CFD-B3913D5587E9}" type="datetimeFigureOut">
               <a:rPr lang="en-US" smtClean="0"/>
-              <a:t>20-Jun-18</a:t>
+              <a:t>21-Jun-18</a:t>
             </a:fld>
             <a:endParaRPr lang="en-US"/>
           </a:p>
@@ -3310,7 +3311,7 @@
                   <a:schemeClr val="tx1"/>
                 </a:solidFill>
               </a:rPr>
-              <a:t>HOME    </a:t>
+              <a:t>Our fleet 	</a:t>
             </a:r>
             <a:r>
               <a:rPr lang="en-US" sz="1350" b="1" dirty="0">
@@ -3318,7 +3319,7 @@
                   <a:schemeClr val="tx1"/>
                 </a:solidFill>
               </a:rPr>
-              <a:t>REGISTER </a:t>
+              <a:t>Register 	 </a:t>
             </a:r>
             <a:r>
               <a:rPr lang="en-US" sz="1350" dirty="0">
@@ -3326,7 +3327,7 @@
                   <a:schemeClr val="tx1"/>
                 </a:solidFill>
               </a:rPr>
-              <a:t>OUR FLEET    MAKE RESERVATION    CONTACTS</a:t>
+              <a:t>Contacts</a:t>
             </a:r>
           </a:p>
         </p:txBody>
@@ -3863,12 +3864,11 @@
           </a:bodyPr>
           <a:lstStyle/>
           <a:p>
-            <a:pPr algn="ctr"/>
-            <a:endParaRPr lang="en-US" sz="1350" dirty="0">
-              <a:solidFill>
-                <a:schemeClr val="tx1"/>
-              </a:solidFill>
-            </a:endParaRPr>
+            <a:r>
+              <a:rPr lang="en-US" sz="1400"/>
+              <a:t>User input</a:t>
+            </a:r>
+            <a:endParaRPr lang="en-US" sz="1400" dirty="0"/>
           </a:p>
         </p:txBody>
       </p:sp>
@@ -4171,6 +4171,20 @@
           <a:prstGeom prst="rect">
             <a:avLst/>
           </a:prstGeom>
+          <a:solidFill>
+            <a:schemeClr val="accent4">
+              <a:lumMod val="60000"/>
+              <a:lumOff val="40000"/>
+            </a:schemeClr>
+          </a:solidFill>
+          <a:ln>
+            <a:solidFill>
+              <a:schemeClr val="accent4">
+                <a:lumMod val="60000"/>
+                <a:lumOff val="40000"/>
+              </a:schemeClr>
+            </a:solidFill>
+          </a:ln>
         </p:spPr>
         <p:style>
           <a:lnRef idx="2">
@@ -4194,7 +4208,11 @@
           <a:p>
             <a:pPr algn="ctr"/>
             <a:r>
-              <a:rPr lang="en-US" dirty="0"/>
+              <a:rPr lang="en-US" dirty="0">
+                <a:solidFill>
+                  <a:sysClr val="windowText" lastClr="000000"/>
+                </a:solidFill>
+              </a:rPr>
               <a:t>Car picture 1</a:t>
             </a:r>
           </a:p>
@@ -4295,6 +4313,104 @@
             <a:r>
               <a:rPr lang="en-US" sz="1400" dirty="0"/>
               <a:t>: 60</a:t>
+            </a:r>
+          </a:p>
+        </p:txBody>
+      </p:sp>
+      <p:sp>
+        <p:nvSpPr>
+          <p:cNvPr id="2" name="Rectangle: Rounded Corners 1">
+            <a:extLst>
+              <a:ext uri="{FF2B5EF4-FFF2-40B4-BE49-F238E27FC236}">
+                <a16:creationId xmlns:a16="http://schemas.microsoft.com/office/drawing/2014/main" id="{52EC9F6F-A80C-4367-A9DA-4365E866A9FE}"/>
+              </a:ext>
+            </a:extLst>
+          </p:cNvPr>
+          <p:cNvSpPr/>
+          <p:nvPr/>
+        </p:nvSpPr>
+        <p:spPr>
+          <a:xfrm>
+            <a:off x="720664" y="3051544"/>
+            <a:ext cx="1350335" cy="489098"/>
+          </a:xfrm>
+          <a:prstGeom prst="roundRect">
+            <a:avLst/>
+          </a:prstGeom>
+        </p:spPr>
+        <p:style>
+          <a:lnRef idx="2">
+            <a:schemeClr val="accent1">
+              <a:shade val="50000"/>
+            </a:schemeClr>
+          </a:lnRef>
+          <a:fillRef idx="1">
+            <a:schemeClr val="accent1"/>
+          </a:fillRef>
+          <a:effectRef idx="0">
+            <a:schemeClr val="accent1"/>
+          </a:effectRef>
+          <a:fontRef idx="minor">
+            <a:schemeClr val="lt1"/>
+          </a:fontRef>
+        </p:style>
+        <p:txBody>
+          <a:bodyPr rtlCol="0" anchor="ctr"/>
+          <a:lstStyle/>
+          <a:p>
+            <a:pPr algn="ctr"/>
+            <a:r>
+              <a:rPr lang="en-US" dirty="0"/>
+              <a:t>Edit car</a:t>
+            </a:r>
+          </a:p>
+        </p:txBody>
+      </p:sp>
+      <p:sp>
+        <p:nvSpPr>
+          <p:cNvPr id="11" name="Rectangle: Rounded Corners 10">
+            <a:extLst>
+              <a:ext uri="{FF2B5EF4-FFF2-40B4-BE49-F238E27FC236}">
+                <a16:creationId xmlns:a16="http://schemas.microsoft.com/office/drawing/2014/main" id="{5FFCF410-D56A-4297-B5CB-02A9507A724E}"/>
+              </a:ext>
+            </a:extLst>
+          </p:cNvPr>
+          <p:cNvSpPr/>
+          <p:nvPr/>
+        </p:nvSpPr>
+        <p:spPr>
+          <a:xfrm>
+            <a:off x="2564350" y="3051544"/>
+            <a:ext cx="1350335" cy="489098"/>
+          </a:xfrm>
+          <a:prstGeom prst="roundRect">
+            <a:avLst/>
+          </a:prstGeom>
+        </p:spPr>
+        <p:style>
+          <a:lnRef idx="2">
+            <a:schemeClr val="accent1">
+              <a:shade val="50000"/>
+            </a:schemeClr>
+          </a:lnRef>
+          <a:fillRef idx="1">
+            <a:schemeClr val="accent1"/>
+          </a:fillRef>
+          <a:effectRef idx="0">
+            <a:schemeClr val="accent1"/>
+          </a:effectRef>
+          <a:fontRef idx="minor">
+            <a:schemeClr val="lt1"/>
+          </a:fontRef>
+        </p:style>
+        <p:txBody>
+          <a:bodyPr rtlCol="0" anchor="ctr"/>
+          <a:lstStyle/>
+          <a:p>
+            <a:pPr algn="ctr"/>
+            <a:r>
+              <a:rPr lang="en-US" dirty="0"/>
+              <a:t>Delete car</a:t>
             </a:r>
           </a:p>
         </p:txBody>
@@ -4396,7 +4512,7 @@
                   <a:schemeClr val="tx1"/>
                 </a:solidFill>
               </a:rPr>
-              <a:t>HOME    </a:t>
+              <a:t>HOME    OUR FLEET    </a:t>
             </a:r>
             <a:r>
               <a:rPr lang="en-US" sz="1350" b="1" dirty="0">
@@ -4404,7 +4520,7 @@
                   <a:schemeClr val="tx1"/>
                 </a:solidFill>
               </a:rPr>
-              <a:t>OUR FLEET    </a:t>
+              <a:t>MAKE RESERVATION</a:t>
             </a:r>
             <a:r>
               <a:rPr lang="en-US" sz="1350" dirty="0">
@@ -4412,7 +4528,7 @@
                   <a:schemeClr val="tx1"/>
                 </a:solidFill>
               </a:rPr>
-              <a:t>MAKE RESERVATION    CONTACTS</a:t>
+              <a:t>    CONTACTS</a:t>
             </a:r>
           </a:p>
         </p:txBody>
@@ -4756,6 +4872,474 @@
     <p:extLst>
       <p:ext uri="{BB962C8B-B14F-4D97-AF65-F5344CB8AC3E}">
         <p14:creationId xmlns:p14="http://schemas.microsoft.com/office/powerpoint/2010/main" val="73487457"/>
+      </p:ext>
+    </p:extLst>
+  </p:cSld>
+  <p:clrMapOvr>
+    <a:masterClrMapping/>
+  </p:clrMapOvr>
+</p:sld>
+</file>
+
+<file path=ppt/slides/slide5.xml><?xml version="1.0" encoding="utf-8"?>
+<p:sld xmlns:a="http://schemas.openxmlformats.org/drawingml/2006/main" xmlns:r="http://schemas.openxmlformats.org/officeDocument/2006/relationships" xmlns:p="http://schemas.openxmlformats.org/presentationml/2006/main">
+  <p:cSld>
+    <p:spTree>
+      <p:nvGrpSpPr>
+        <p:cNvPr id="1" name=""/>
+        <p:cNvGrpSpPr/>
+        <p:nvPr/>
+      </p:nvGrpSpPr>
+      <p:grpSpPr>
+        <a:xfrm>
+          <a:off x="0" y="0"/>
+          <a:ext cx="0" cy="0"/>
+          <a:chOff x="0" y="0"/>
+          <a:chExt cx="0" cy="0"/>
+        </a:xfrm>
+      </p:grpSpPr>
+      <p:sp>
+        <p:nvSpPr>
+          <p:cNvPr id="4" name="Rectangle 3">
+            <a:extLst>
+              <a:ext uri="{FF2B5EF4-FFF2-40B4-BE49-F238E27FC236}">
+                <a16:creationId xmlns:a16="http://schemas.microsoft.com/office/drawing/2014/main" id="{1AEADC15-CA43-43A7-8FBD-142BFA3FA45E}"/>
+              </a:ext>
+            </a:extLst>
+          </p:cNvPr>
+          <p:cNvSpPr/>
+          <p:nvPr/>
+        </p:nvSpPr>
+        <p:spPr>
+          <a:xfrm>
+            <a:off x="276224" y="390525"/>
+            <a:ext cx="8601075" cy="419100"/>
+          </a:xfrm>
+          <a:prstGeom prst="rect">
+            <a:avLst/>
+          </a:prstGeom>
+          <a:solidFill>
+            <a:schemeClr val="accent1">
+              <a:lumMod val="20000"/>
+              <a:lumOff val="80000"/>
+            </a:schemeClr>
+          </a:solidFill>
+          <a:ln>
+            <a:solidFill>
+              <a:schemeClr val="accent1">
+                <a:lumMod val="20000"/>
+                <a:lumOff val="80000"/>
+              </a:schemeClr>
+            </a:solidFill>
+          </a:ln>
+        </p:spPr>
+        <p:style>
+          <a:lnRef idx="2">
+            <a:schemeClr val="accent1">
+              <a:shade val="50000"/>
+            </a:schemeClr>
+          </a:lnRef>
+          <a:fillRef idx="1">
+            <a:schemeClr val="accent1"/>
+          </a:fillRef>
+          <a:effectRef idx="0">
+            <a:schemeClr val="accent1"/>
+          </a:effectRef>
+          <a:fontRef idx="minor">
+            <a:schemeClr val="lt1"/>
+          </a:fontRef>
+        </p:style>
+        <p:txBody>
+          <a:bodyPr rot="0" spcFirstLastPara="0" vertOverflow="overflow" horzOverflow="overflow" vert="horz" wrap="square" lIns="68580" tIns="34290" rIns="68580" bIns="34290" numCol="1" spcCol="0" rtlCol="0" fromWordArt="0" anchor="ctr" anchorCtr="0" forceAA="0" compatLnSpc="1">
+            <a:prstTxWarp prst="textNoShape">
+              <a:avLst/>
+            </a:prstTxWarp>
+            <a:noAutofit/>
+          </a:bodyPr>
+          <a:lstStyle/>
+          <a:p>
+            <a:pPr algn="ctr"/>
+            <a:r>
+              <a:rPr lang="en-US" sz="1350" dirty="0">
+                <a:solidFill>
+                  <a:schemeClr val="tx1"/>
+                </a:solidFill>
+              </a:rPr>
+              <a:t>Our fleet    Make reservation    Add new car    Edit car    Delete car    Contacts</a:t>
+            </a:r>
+          </a:p>
+        </p:txBody>
+      </p:sp>
+      <p:sp>
+        <p:nvSpPr>
+          <p:cNvPr id="6" name="Rectangle 5">
+            <a:extLst>
+              <a:ext uri="{FF2B5EF4-FFF2-40B4-BE49-F238E27FC236}">
+                <a16:creationId xmlns:a16="http://schemas.microsoft.com/office/drawing/2014/main" id="{B181BD55-CF5B-476E-886E-73E8915E2296}"/>
+              </a:ext>
+            </a:extLst>
+          </p:cNvPr>
+          <p:cNvSpPr/>
+          <p:nvPr/>
+        </p:nvSpPr>
+        <p:spPr>
+          <a:xfrm>
+            <a:off x="276224" y="390525"/>
+            <a:ext cx="1333500" cy="419100"/>
+          </a:xfrm>
+          <a:prstGeom prst="rect">
+            <a:avLst/>
+          </a:prstGeom>
+          <a:solidFill>
+            <a:schemeClr val="accent1">
+              <a:lumMod val="20000"/>
+              <a:lumOff val="80000"/>
+            </a:schemeClr>
+          </a:solidFill>
+          <a:ln>
+            <a:solidFill>
+              <a:schemeClr val="accent1">
+                <a:lumMod val="20000"/>
+                <a:lumOff val="80000"/>
+              </a:schemeClr>
+            </a:solidFill>
+          </a:ln>
+        </p:spPr>
+        <p:style>
+          <a:lnRef idx="2">
+            <a:schemeClr val="accent1">
+              <a:shade val="50000"/>
+            </a:schemeClr>
+          </a:lnRef>
+          <a:fillRef idx="1">
+            <a:schemeClr val="accent1"/>
+          </a:fillRef>
+          <a:effectRef idx="0">
+            <a:schemeClr val="accent1"/>
+          </a:effectRef>
+          <a:fontRef idx="minor">
+            <a:schemeClr val="lt1"/>
+          </a:fontRef>
+        </p:style>
+        <p:txBody>
+          <a:bodyPr rot="0" spcFirstLastPara="0" vertOverflow="overflow" horzOverflow="overflow" vert="horz" wrap="square" lIns="68580" tIns="34290" rIns="68580" bIns="34290" numCol="1" spcCol="0" rtlCol="0" fromWordArt="0" anchor="ctr" anchorCtr="0" forceAA="0" compatLnSpc="1">
+            <a:prstTxWarp prst="textNoShape">
+              <a:avLst/>
+            </a:prstTxWarp>
+            <a:noAutofit/>
+          </a:bodyPr>
+          <a:lstStyle/>
+          <a:p>
+            <a:pPr algn="ctr"/>
+            <a:r>
+              <a:rPr lang="en-US" sz="1350" b="1" dirty="0">
+                <a:solidFill>
+                  <a:schemeClr val="tx1"/>
+                </a:solidFill>
+              </a:rPr>
+              <a:t>Cool Wheels</a:t>
+            </a:r>
+          </a:p>
+        </p:txBody>
+      </p:sp>
+      <p:sp>
+        <p:nvSpPr>
+          <p:cNvPr id="8" name="Rectangle 7">
+            <a:extLst>
+              <a:ext uri="{FF2B5EF4-FFF2-40B4-BE49-F238E27FC236}">
+                <a16:creationId xmlns:a16="http://schemas.microsoft.com/office/drawing/2014/main" id="{EAC9FEE4-5CD1-40D1-923F-42F27CF2C25E}"/>
+              </a:ext>
+            </a:extLst>
+          </p:cNvPr>
+          <p:cNvSpPr/>
+          <p:nvPr/>
+        </p:nvSpPr>
+        <p:spPr>
+          <a:xfrm>
+            <a:off x="3210199" y="1029502"/>
+            <a:ext cx="2733123" cy="2213936"/>
+          </a:xfrm>
+          <a:prstGeom prst="rect">
+            <a:avLst/>
+          </a:prstGeom>
+          <a:solidFill>
+            <a:schemeClr val="accent1">
+              <a:lumMod val="20000"/>
+              <a:lumOff val="80000"/>
+            </a:schemeClr>
+          </a:solidFill>
+          <a:ln>
+            <a:solidFill>
+              <a:schemeClr val="accent1">
+                <a:lumMod val="20000"/>
+                <a:lumOff val="80000"/>
+              </a:schemeClr>
+            </a:solidFill>
+          </a:ln>
+        </p:spPr>
+        <p:style>
+          <a:lnRef idx="2">
+            <a:schemeClr val="accent1">
+              <a:shade val="50000"/>
+            </a:schemeClr>
+          </a:lnRef>
+          <a:fillRef idx="1">
+            <a:schemeClr val="accent1"/>
+          </a:fillRef>
+          <a:effectRef idx="0">
+            <a:schemeClr val="accent1"/>
+          </a:effectRef>
+          <a:fontRef idx="minor">
+            <a:schemeClr val="lt1"/>
+          </a:fontRef>
+        </p:style>
+        <p:txBody>
+          <a:bodyPr rot="0" spcFirstLastPara="0" vertOverflow="overflow" horzOverflow="overflow" vert="horz" wrap="square" lIns="68580" tIns="34290" rIns="68580" bIns="34290" numCol="1" spcCol="0" rtlCol="0" fromWordArt="0" anchor="ctr" anchorCtr="0" forceAA="0" compatLnSpc="1">
+            <a:prstTxWarp prst="textNoShape">
+              <a:avLst/>
+            </a:prstTxWarp>
+            <a:noAutofit/>
+          </a:bodyPr>
+          <a:lstStyle/>
+          <a:p>
+            <a:pPr algn="ctr"/>
+            <a:endParaRPr lang="en-US" sz="1350" dirty="0">
+              <a:solidFill>
+                <a:schemeClr val="tx1"/>
+              </a:solidFill>
+            </a:endParaRPr>
+          </a:p>
+        </p:txBody>
+      </p:sp>
+      <p:sp>
+        <p:nvSpPr>
+          <p:cNvPr id="9" name="TextBox 8">
+            <a:extLst>
+              <a:ext uri="{FF2B5EF4-FFF2-40B4-BE49-F238E27FC236}">
+                <a16:creationId xmlns:a16="http://schemas.microsoft.com/office/drawing/2014/main" id="{C34F9151-CDDE-44B1-89C7-B307852DDD16}"/>
+              </a:ext>
+            </a:extLst>
+          </p:cNvPr>
+          <p:cNvSpPr txBox="1"/>
+          <p:nvPr/>
+        </p:nvSpPr>
+        <p:spPr>
+          <a:xfrm>
+            <a:off x="3210198" y="1120807"/>
+            <a:ext cx="2733123" cy="2031325"/>
+          </a:xfrm>
+          <a:prstGeom prst="rect">
+            <a:avLst/>
+          </a:prstGeom>
+          <a:noFill/>
+        </p:spPr>
+        <p:txBody>
+          <a:bodyPr wrap="square" rtlCol="0">
+            <a:spAutoFit/>
+          </a:bodyPr>
+          <a:lstStyle/>
+          <a:p>
+            <a:r>
+              <a:rPr lang="en-US" dirty="0"/>
+              <a:t>Input new car parameters</a:t>
+            </a:r>
+          </a:p>
+          <a:p>
+            <a:endParaRPr lang="en-US" dirty="0"/>
+          </a:p>
+          <a:p>
+            <a:r>
+              <a:rPr lang="en-US" dirty="0"/>
+              <a:t>Model ID: </a:t>
+            </a:r>
+          </a:p>
+          <a:p>
+            <a:r>
+              <a:rPr lang="en-US" dirty="0"/>
+              <a:t>Year:</a:t>
+            </a:r>
+          </a:p>
+          <a:p>
+            <a:r>
+              <a:rPr lang="en-US" dirty="0"/>
+              <a:t>Color:</a:t>
+            </a:r>
+          </a:p>
+          <a:p>
+            <a:r>
+              <a:rPr lang="en-US" dirty="0"/>
+              <a:t>Price per day:</a:t>
+            </a:r>
+          </a:p>
+          <a:p>
+            <a:endParaRPr lang="en-US" dirty="0"/>
+          </a:p>
+        </p:txBody>
+      </p:sp>
+      <p:sp>
+        <p:nvSpPr>
+          <p:cNvPr id="10" name="TextBox 9">
+            <a:extLst>
+              <a:ext uri="{FF2B5EF4-FFF2-40B4-BE49-F238E27FC236}">
+                <a16:creationId xmlns:a16="http://schemas.microsoft.com/office/drawing/2014/main" id="{2DF8AA91-840F-4AF3-A98E-363F3DF08ED0}"/>
+              </a:ext>
+            </a:extLst>
+          </p:cNvPr>
+          <p:cNvSpPr txBox="1"/>
+          <p:nvPr/>
+        </p:nvSpPr>
+        <p:spPr>
+          <a:xfrm>
+            <a:off x="4261386" y="1764768"/>
+            <a:ext cx="1681935" cy="215444"/>
+          </a:xfrm>
+          <a:prstGeom prst="rect">
+            <a:avLst/>
+          </a:prstGeom>
+          <a:noFill/>
+          <a:ln>
+            <a:solidFill>
+              <a:schemeClr val="tx1"/>
+            </a:solidFill>
+          </a:ln>
+        </p:spPr>
+        <p:txBody>
+          <a:bodyPr wrap="square" rtlCol="0">
+            <a:spAutoFit/>
+          </a:bodyPr>
+          <a:lstStyle/>
+          <a:p>
+            <a:r>
+              <a:rPr lang="en-US" sz="800" dirty="0"/>
+              <a:t>SQL selector</a:t>
+            </a:r>
+          </a:p>
+        </p:txBody>
+      </p:sp>
+      <p:sp>
+        <p:nvSpPr>
+          <p:cNvPr id="13" name="TextBox 12">
+            <a:extLst>
+              <a:ext uri="{FF2B5EF4-FFF2-40B4-BE49-F238E27FC236}">
+                <a16:creationId xmlns:a16="http://schemas.microsoft.com/office/drawing/2014/main" id="{F7DFCB40-2DC6-48B2-AA63-36DDE16867C4}"/>
+              </a:ext>
+            </a:extLst>
+          </p:cNvPr>
+          <p:cNvSpPr txBox="1"/>
+          <p:nvPr/>
+        </p:nvSpPr>
+        <p:spPr>
+          <a:xfrm>
+            <a:off x="4261386" y="2038953"/>
+            <a:ext cx="1681935" cy="215444"/>
+          </a:xfrm>
+          <a:prstGeom prst="rect">
+            <a:avLst/>
+          </a:prstGeom>
+          <a:noFill/>
+          <a:ln>
+            <a:solidFill>
+              <a:schemeClr val="tx1"/>
+            </a:solidFill>
+          </a:ln>
+        </p:spPr>
+        <p:txBody>
+          <a:bodyPr wrap="square" rtlCol="0">
+            <a:spAutoFit/>
+          </a:bodyPr>
+          <a:lstStyle/>
+          <a:p>
+            <a:r>
+              <a:rPr lang="en-US" sz="800" dirty="0"/>
+              <a:t>User input</a:t>
+            </a:r>
+          </a:p>
+        </p:txBody>
+      </p:sp>
+      <p:sp>
+        <p:nvSpPr>
+          <p:cNvPr id="14" name="TextBox 13">
+            <a:extLst>
+              <a:ext uri="{FF2B5EF4-FFF2-40B4-BE49-F238E27FC236}">
+                <a16:creationId xmlns:a16="http://schemas.microsoft.com/office/drawing/2014/main" id="{2D6BC8E9-8779-4672-A80A-591D6FF64011}"/>
+              </a:ext>
+            </a:extLst>
+          </p:cNvPr>
+          <p:cNvSpPr txBox="1"/>
+          <p:nvPr/>
+        </p:nvSpPr>
+        <p:spPr>
+          <a:xfrm>
+            <a:off x="4261385" y="2313138"/>
+            <a:ext cx="1681935" cy="215444"/>
+          </a:xfrm>
+          <a:prstGeom prst="rect">
+            <a:avLst/>
+          </a:prstGeom>
+          <a:noFill/>
+          <a:ln>
+            <a:solidFill>
+              <a:schemeClr val="tx1"/>
+            </a:solidFill>
+          </a:ln>
+        </p:spPr>
+        <p:txBody>
+          <a:bodyPr wrap="square" rtlCol="0">
+            <a:spAutoFit/>
+          </a:bodyPr>
+          <a:lstStyle/>
+          <a:p>
+            <a:r>
+              <a:rPr lang="en-US" sz="800" dirty="0"/>
+              <a:t>User input</a:t>
+            </a:r>
+          </a:p>
+        </p:txBody>
+      </p:sp>
+      <p:sp>
+        <p:nvSpPr>
+          <p:cNvPr id="15" name="TextBox 14">
+            <a:extLst>
+              <a:ext uri="{FF2B5EF4-FFF2-40B4-BE49-F238E27FC236}">
+                <a16:creationId xmlns:a16="http://schemas.microsoft.com/office/drawing/2014/main" id="{C960169D-690D-4F72-B671-03ABE18347D3}"/>
+              </a:ext>
+            </a:extLst>
+          </p:cNvPr>
+          <p:cNvSpPr txBox="1"/>
+          <p:nvPr/>
+        </p:nvSpPr>
+        <p:spPr>
+          <a:xfrm>
+            <a:off x="4754600" y="2587323"/>
+            <a:ext cx="1188720" cy="215444"/>
+          </a:xfrm>
+          <a:prstGeom prst="rect">
+            <a:avLst/>
+          </a:prstGeom>
+          <a:noFill/>
+          <a:ln>
+            <a:solidFill>
+              <a:schemeClr val="tx1"/>
+            </a:solidFill>
+          </a:ln>
+        </p:spPr>
+        <p:txBody>
+          <a:bodyPr wrap="square" rtlCol="0">
+            <a:spAutoFit/>
+          </a:bodyPr>
+          <a:lstStyle/>
+          <a:p>
+            <a:r>
+              <a:rPr lang="en-US" sz="800" dirty="0"/>
+              <a:t>User input</a:t>
+            </a:r>
+          </a:p>
+        </p:txBody>
+      </p:sp>
+    </p:spTree>
+    <p:extLst>
+      <p:ext uri="{BB962C8B-B14F-4D97-AF65-F5344CB8AC3E}">
+        <p14:creationId xmlns:p14="http://schemas.microsoft.com/office/powerpoint/2010/main" val="99310951"/>
       </p:ext>
     </p:extLst>
   </p:cSld>
